--- a/public/documentation/prezentare.pptx
+++ b/public/documentation/prezentare.pptx
@@ -5,10 +5,10 @@
     <p:sldMasterId id="2147483648" r:id="rId4"/>
   </p:sldMasterIdLst>
   <p:notesMasterIdLst>
-    <p:notesMasterId r:id="rId12"/>
+    <p:notesMasterId r:id="rId13"/>
   </p:notesMasterIdLst>
   <p:handoutMasterIdLst>
-    <p:handoutMasterId r:id="rId13"/>
+    <p:handoutMasterId r:id="rId14"/>
   </p:handoutMasterIdLst>
   <p:sldIdLst>
     <p:sldId id="256" r:id="rId5"/>
@@ -17,7 +17,8 @@
     <p:sldId id="263" r:id="rId8"/>
     <p:sldId id="264" r:id="rId9"/>
     <p:sldId id="265" r:id="rId10"/>
-    <p:sldId id="266" r:id="rId11"/>
+    <p:sldId id="268" r:id="rId11"/>
+    <p:sldId id="266" r:id="rId12"/>
   </p:sldIdLst>
   <p:sldSz cx="12192000" cy="6858000"/>
   <p:notesSz cx="6858000" cy="9144000"/>
@@ -233,7 +234,7 @@
           <a:p>
             <a:fld id="{E57DDB92-3317-4B9C-B989-3EB0B44A5A4A}" type="datetimeFigureOut">
               <a:rPr lang="en-US" smtClean="0"/>
-              <a:t>6/21/2021</a:t>
+              <a:t>6/22/2021</a:t>
             </a:fld>
             <a:endParaRPr lang="en-US"/>
           </a:p>
@@ -410,7 +411,7 @@
           <a:p>
             <a:fld id="{B092BB80-3726-4084-9E76-EB2EA862C828}" type="datetimeFigureOut">
               <a:rPr lang="en-US" smtClean="0"/>
-              <a:t>6/21/2021</a:t>
+              <a:t>6/22/2021</a:t>
             </a:fld>
             <a:endParaRPr lang="en-US"/>
           </a:p>
@@ -1467,7 +1468,7 @@
           <a:p>
             <a:fld id="{EF512121-8EED-40DE-A312-124B500E188B}" type="datetime1">
               <a:rPr lang="en-US" smtClean="0"/>
-              <a:t>6/21/2021</a:t>
+              <a:t>6/22/2021</a:t>
             </a:fld>
             <a:endParaRPr lang="en-US"/>
           </a:p>
@@ -1796,7 +1797,7 @@
           <a:p>
             <a:fld id="{4CE178B4-55C6-43CB-8CD4-3D032E1637A2}" type="datetime1">
               <a:rPr lang="en-US" smtClean="0"/>
-              <a:t>6/21/2021</a:t>
+              <a:t>6/22/2021</a:t>
             </a:fld>
             <a:endParaRPr lang="en-US"/>
           </a:p>
@@ -1987,7 +1988,7 @@
           <a:p>
             <a:fld id="{C92FF37A-841E-4E53-94A8-313364B48D11}" type="datetime1">
               <a:rPr lang="en-US" smtClean="0"/>
-              <a:t>6/21/2021</a:t>
+              <a:t>6/22/2021</a:t>
             </a:fld>
             <a:endParaRPr lang="en-US"/>
           </a:p>
@@ -2252,7 +2253,7 @@
           <a:p>
             <a:fld id="{3052DFAF-CC7F-41BF-8C23-BC21D7D5564B}" type="datetime1">
               <a:rPr lang="en-US" smtClean="0"/>
-              <a:t>6/21/2021</a:t>
+              <a:t>6/22/2021</a:t>
             </a:fld>
             <a:endParaRPr lang="en-US"/>
           </a:p>
@@ -2675,7 +2676,7 @@
           <a:p>
             <a:fld id="{DE3206C8-62C3-4BFD-A26C-3AB8B14E880B}" type="datetime1">
               <a:rPr lang="en-US" smtClean="0"/>
-              <a:t>6/21/2021</a:t>
+              <a:t>6/22/2021</a:t>
             </a:fld>
             <a:endParaRPr lang="en-US"/>
           </a:p>
@@ -3220,7 +3221,7 @@
           <a:p>
             <a:fld id="{B25913A9-BBA8-4349-A2A2-A2E74B91E0E2}" type="datetime1">
               <a:rPr lang="en-US" smtClean="0"/>
-              <a:t>6/21/2021</a:t>
+              <a:t>6/22/2021</a:t>
             </a:fld>
             <a:endParaRPr lang="en-US"/>
           </a:p>
@@ -4002,7 +4003,7 @@
           <a:p>
             <a:fld id="{A8A55F62-28FC-413B-948E-8DFCA62DD2FF}" type="datetime1">
               <a:rPr lang="en-US" smtClean="0"/>
-              <a:t>6/21/2021</a:t>
+              <a:t>6/22/2021</a:t>
             </a:fld>
             <a:endParaRPr lang="en-US"/>
           </a:p>
@@ -4176,7 +4177,7 @@
           <a:p>
             <a:fld id="{05AF8ED6-5CCC-4510-9A28-C56229069527}" type="datetime1">
               <a:rPr lang="en-US" smtClean="0"/>
-              <a:t>6/21/2021</a:t>
+              <a:t>6/22/2021</a:t>
             </a:fld>
             <a:endParaRPr lang="en-US"/>
           </a:p>
@@ -4355,7 +4356,7 @@
           <a:p>
             <a:fld id="{2C665C13-B398-4B8C-960B-849C5B5002E5}" type="datetime1">
               <a:rPr lang="en-US" smtClean="0"/>
-              <a:t>6/21/2021</a:t>
+              <a:t>6/22/2021</a:t>
             </a:fld>
             <a:endParaRPr lang="en-US"/>
           </a:p>
@@ -4525,7 +4526,7 @@
           <a:p>
             <a:fld id="{019839B6-4D3C-413C-92E4-22794FDD0C0E}" type="datetime1">
               <a:rPr lang="en-US" smtClean="0"/>
-              <a:t>6/21/2021</a:t>
+              <a:t>6/22/2021</a:t>
             </a:fld>
             <a:endParaRPr lang="en-US"/>
           </a:p>
@@ -4770,7 +4771,7 @@
           <a:p>
             <a:fld id="{58858B0D-538A-4E2E-845E-ECE0B01B4152}" type="datetime1">
               <a:rPr lang="en-US" smtClean="0"/>
-              <a:t>6/21/2021</a:t>
+              <a:t>6/22/2021</a:t>
             </a:fld>
             <a:endParaRPr lang="en-US"/>
           </a:p>
@@ -5002,7 +5003,7 @@
           <a:p>
             <a:fld id="{8D22A401-E4E7-40EA-B7B1-CD946438BB04}" type="datetime1">
               <a:rPr lang="en-US" smtClean="0"/>
-              <a:t>6/21/2021</a:t>
+              <a:t>6/22/2021</a:t>
             </a:fld>
             <a:endParaRPr lang="en-US"/>
           </a:p>
@@ -5382,7 +5383,7 @@
           <a:p>
             <a:fld id="{AA942432-FA9F-42B3-BEFB-156E1A2BE441}" type="datetime1">
               <a:rPr lang="en-US" smtClean="0"/>
-              <a:t>6/21/2021</a:t>
+              <a:t>6/22/2021</a:t>
             </a:fld>
             <a:endParaRPr lang="en-US"/>
           </a:p>
@@ -5495,7 +5496,7 @@
           <a:p>
             <a:fld id="{38BA38E7-B7C9-47EC-8BBC-3547CB46FF80}" type="datetime1">
               <a:rPr lang="en-US" smtClean="0"/>
-              <a:t>6/21/2021</a:t>
+              <a:t>6/22/2021</a:t>
             </a:fld>
             <a:endParaRPr lang="en-US"/>
           </a:p>
@@ -5585,7 +5586,7 @@
           <a:p>
             <a:fld id="{989F6707-E757-48C0-8DC0-EB5D686EF21C}" type="datetime1">
               <a:rPr lang="en-US" smtClean="0"/>
-              <a:t>6/21/2021</a:t>
+              <a:t>6/22/2021</a:t>
             </a:fld>
             <a:endParaRPr lang="en-US"/>
           </a:p>
@@ -5833,7 +5834,7 @@
           <a:p>
             <a:fld id="{008B83ED-5A6B-48EF-A4DD-79B6DC4259B7}" type="datetime1">
               <a:rPr lang="en-US" smtClean="0"/>
-              <a:t>6/21/2021</a:t>
+              <a:t>6/22/2021</a:t>
             </a:fld>
             <a:endParaRPr lang="en-US"/>
           </a:p>
@@ -6096,7 +6097,7 @@
           <a:p>
             <a:fld id="{1725593A-9BCC-47E7-B3C6-02C362D176C5}" type="datetime1">
               <a:rPr lang="en-US" smtClean="0"/>
-              <a:t>6/21/2021</a:t>
+              <a:t>6/22/2021</a:t>
             </a:fld>
             <a:endParaRPr lang="en-US"/>
           </a:p>
@@ -6495,7 +6496,7 @@
           <a:p>
             <a:fld id="{258454DC-1228-4A6C-AB25-5225BEE4C3BD}" type="datetime1">
               <a:rPr lang="en-US" smtClean="0"/>
-              <a:t>6/21/2021</a:t>
+              <a:t>6/22/2021</a:t>
             </a:fld>
             <a:endParaRPr lang="en-US"/>
           </a:p>
@@ -8217,6 +8218,41 @@
           </a:p>
         </p:txBody>
       </p:sp>
+      <p:sp>
+        <p:nvSpPr>
+          <p:cNvPr id="4" name="TextBox 3">
+            <a:extLst>
+              <a:ext uri="{FF2B5EF4-FFF2-40B4-BE49-F238E27FC236}">
+                <a16:creationId xmlns:a16="http://schemas.microsoft.com/office/drawing/2014/main" id="{2FFE433F-B804-46B5-B058-50470D5FBD20}"/>
+              </a:ext>
+            </a:extLst>
+          </p:cNvPr>
+          <p:cNvSpPr txBox="1"/>
+          <p:nvPr/>
+        </p:nvSpPr>
+        <p:spPr>
+          <a:xfrm>
+            <a:off x="5608935" y="5190843"/>
+            <a:ext cx="6078379" cy="261610"/>
+          </a:xfrm>
+          <a:prstGeom prst="rect">
+            <a:avLst/>
+          </a:prstGeom>
+          <a:noFill/>
+        </p:spPr>
+        <p:txBody>
+          <a:bodyPr wrap="square" rtlCol="0">
+            <a:spAutoFit/>
+          </a:bodyPr>
+          <a:lstStyle/>
+          <a:p>
+            <a:r>
+              <a:rPr lang="ro-RO" sz="1100"/>
+              <a:t>https://soundgas.com/wp-content/uploads/2019/07/Soundgas-Studio-Shot-Full-new.jpg</a:t>
+            </a:r>
+          </a:p>
+        </p:txBody>
+      </p:sp>
     </p:spTree>
     <p:extLst>
       <p:ext uri="{BB962C8B-B14F-4D97-AF65-F5344CB8AC3E}">
@@ -8488,6 +8524,41 @@
           </a:p>
         </p:txBody>
       </p:sp>
+      <p:sp>
+        <p:nvSpPr>
+          <p:cNvPr id="5" name="TextBox 4">
+            <a:extLst>
+              <a:ext uri="{FF2B5EF4-FFF2-40B4-BE49-F238E27FC236}">
+                <a16:creationId xmlns:a16="http://schemas.microsoft.com/office/drawing/2014/main" id="{BD492467-AD71-4E1C-B173-C4973221CE6F}"/>
+              </a:ext>
+            </a:extLst>
+          </p:cNvPr>
+          <p:cNvSpPr txBox="1"/>
+          <p:nvPr/>
+        </p:nvSpPr>
+        <p:spPr>
+          <a:xfrm>
+            <a:off x="5997368" y="4901489"/>
+            <a:ext cx="5081840" cy="261610"/>
+          </a:xfrm>
+          <a:prstGeom prst="rect">
+            <a:avLst/>
+          </a:prstGeom>
+          <a:noFill/>
+        </p:spPr>
+        <p:txBody>
+          <a:bodyPr wrap="none" rtlCol="0">
+            <a:spAutoFit/>
+          </a:bodyPr>
+          <a:lstStyle/>
+          <a:p>
+            <a:r>
+              <a:rPr lang="ro-RO" sz="1100"/>
+              <a:t>https://iconcollective.edu/wp-content/uploads/iMac_Logic_Pro_X-354x236@2x.jpg</a:t>
+            </a:r>
+          </a:p>
+        </p:txBody>
+      </p:sp>
     </p:spTree>
     <p:extLst>
       <p:ext uri="{BB962C8B-B14F-4D97-AF65-F5344CB8AC3E}">
@@ -8532,7 +8603,7 @@
         </p:nvSpPr>
         <p:spPr>
           <a:xfrm flipH="1">
-            <a:off x="824069" y="191637"/>
+            <a:off x="824069" y="244981"/>
             <a:ext cx="10346795" cy="677108"/>
           </a:xfrm>
           <a:prstGeom prst="rect">
@@ -8632,7 +8703,7 @@
         <p:spPr>
           <a:xfrm>
             <a:off x="1343895" y="998198"/>
-            <a:ext cx="9504209" cy="4455097"/>
+            <a:ext cx="9504618" cy="4455289"/>
           </a:xfrm>
           <a:prstGeom prst="rect">
             <a:avLst/>
@@ -8868,6 +8939,19 @@
               <a:buChar char="•"/>
             </a:pPr>
             <a:r>
+              <a:rPr lang="en-US">
+                <a:latin typeface="Arial" panose="020B0604020202020204" pitchFamily="34" charset="0"/>
+                <a:cs typeface="Arial" panose="020B0604020202020204" pitchFamily="34" charset="0"/>
+              </a:rPr>
+              <a:t>Înregistrare microfon cu efecte</a:t>
+            </a:r>
+          </a:p>
+          <a:p>
+            <a:pPr marL="742950" lvl="1" indent="-285750">
+              <a:buFont typeface="Arial" panose="020B0604020202020204" pitchFamily="34" charset="0"/>
+              <a:buChar char="•"/>
+            </a:pPr>
+            <a:r>
               <a:rPr lang="en-US" i="1">
                 <a:latin typeface="Arial" panose="020B0604020202020204" pitchFamily="34" charset="0"/>
                 <a:cs typeface="Arial" panose="020B0604020202020204" pitchFamily="34" charset="0"/>
@@ -8880,19 +8964,6 @@
                 <a:cs typeface="Arial" panose="020B0604020202020204" pitchFamily="34" charset="0"/>
               </a:rPr>
               <a:t>mp3</a:t>
-            </a:r>
-          </a:p>
-          <a:p>
-            <a:pPr marL="742950" lvl="1" indent="-285750">
-              <a:buFont typeface="Arial" panose="020B0604020202020204" pitchFamily="34" charset="0"/>
-              <a:buChar char="•"/>
-            </a:pPr>
-            <a:r>
-              <a:rPr lang="en-US">
-                <a:latin typeface="Arial" panose="020B0604020202020204" pitchFamily="34" charset="0"/>
-                <a:cs typeface="Arial" panose="020B0604020202020204" pitchFamily="34" charset="0"/>
-              </a:rPr>
-              <a:t>Înregistrare microfon cu efecte</a:t>
             </a:r>
           </a:p>
           <a:p>
@@ -9078,8 +9149,8 @@
         </p:nvSpPr>
         <p:spPr>
           <a:xfrm>
-            <a:off x="1149658" y="1155862"/>
-            <a:ext cx="9246094" cy="3816429"/>
+            <a:off x="1131902" y="472800"/>
+            <a:ext cx="9246094" cy="5016758"/>
           </a:xfrm>
           <a:prstGeom prst="rect">
             <a:avLst/>
@@ -9097,18 +9168,212 @@
               <a:buChar char="•"/>
             </a:pPr>
             <a:r>
-              <a:rPr lang="en-US" sz="2200" b="1" i="1">
-                <a:latin typeface="Arial" panose="020B0604020202020204" pitchFamily="34" charset="0"/>
-                <a:cs typeface="Arial" panose="020B0604020202020204" pitchFamily="34" charset="0"/>
-              </a:rPr>
-              <a:t>Sound Maker </a:t>
-            </a:r>
-            <a:r>
               <a:rPr lang="en-US" sz="2000">
                 <a:latin typeface="Arial" panose="020B0604020202020204" pitchFamily="34" charset="0"/>
                 <a:cs typeface="Arial" panose="020B0604020202020204" pitchFamily="34" charset="0"/>
               </a:rPr>
-              <a:t>oferă un mediu dinamic și interactiv în care utilizatorul poate să creeze, să redea și să proceseze conținut sonor.</a:t>
+              <a:t>Tehnologii principale folosite:</a:t>
+            </a:r>
+          </a:p>
+          <a:p>
+            <a:pPr marL="800100" lvl="1" indent="-342900">
+              <a:buFont typeface="Arial" panose="020B0604020202020204" pitchFamily="34" charset="0"/>
+              <a:buChar char="•"/>
+            </a:pPr>
+            <a:r>
+              <a:rPr lang="en-US" sz="2000" i="1">
+                <a:latin typeface="Arial" panose="020B0604020202020204" pitchFamily="34" charset="0"/>
+                <a:cs typeface="Arial" panose="020B0604020202020204" pitchFamily="34" charset="0"/>
+              </a:rPr>
+              <a:t>Framework-ul </a:t>
+            </a:r>
+            <a:r>
+              <a:rPr lang="en-US" sz="2000" b="1" i="1">
+                <a:latin typeface="Arial" panose="020B0604020202020204" pitchFamily="34" charset="0"/>
+                <a:cs typeface="Arial" panose="020B0604020202020204" pitchFamily="34" charset="0"/>
+              </a:rPr>
+              <a:t>React.js </a:t>
+            </a:r>
+          </a:p>
+          <a:p>
+            <a:pPr marL="800100" lvl="1" indent="-342900">
+              <a:buFont typeface="Arial" panose="020B0604020202020204" pitchFamily="34" charset="0"/>
+              <a:buChar char="•"/>
+            </a:pPr>
+            <a:r>
+              <a:rPr lang="en-US" sz="2000" i="1">
+                <a:latin typeface="Arial" panose="020B0604020202020204" pitchFamily="34" charset="0"/>
+                <a:cs typeface="Arial" panose="020B0604020202020204" pitchFamily="34" charset="0"/>
+              </a:rPr>
+              <a:t>Framework-ul </a:t>
+            </a:r>
+            <a:r>
+              <a:rPr lang="en-US" sz="2000" b="1" i="1">
+                <a:latin typeface="Arial" panose="020B0604020202020204" pitchFamily="34" charset="0"/>
+                <a:cs typeface="Arial" panose="020B0604020202020204" pitchFamily="34" charset="0"/>
+              </a:rPr>
+              <a:t>Express.js (Node.js)</a:t>
+            </a:r>
+          </a:p>
+          <a:p>
+            <a:pPr marL="800100" lvl="1" indent="-342900">
+              <a:buFont typeface="Arial" panose="020B0604020202020204" pitchFamily="34" charset="0"/>
+              <a:buChar char="•"/>
+            </a:pPr>
+            <a:r>
+              <a:rPr lang="en-US" sz="2000">
+                <a:latin typeface="Arial" panose="020B0604020202020204" pitchFamily="34" charset="0"/>
+                <a:cs typeface="Arial" panose="020B0604020202020204" pitchFamily="34" charset="0"/>
+              </a:rPr>
+              <a:t>Biblioteca </a:t>
+            </a:r>
+            <a:r>
+              <a:rPr lang="en-US" sz="2000" b="1" i="1">
+                <a:latin typeface="Arial" panose="020B0604020202020204" pitchFamily="34" charset="0"/>
+                <a:cs typeface="Arial" panose="020B0604020202020204" pitchFamily="34" charset="0"/>
+              </a:rPr>
+              <a:t>Tone.js </a:t>
+            </a:r>
+            <a:r>
+              <a:rPr lang="en-US" sz="2000">
+                <a:latin typeface="Arial" panose="020B0604020202020204" pitchFamily="34" charset="0"/>
+                <a:cs typeface="Arial" panose="020B0604020202020204" pitchFamily="34" charset="0"/>
+              </a:rPr>
+              <a:t>și</a:t>
+            </a:r>
+            <a:r>
+              <a:rPr lang="en-US" sz="2000" i="1">
+                <a:latin typeface="Arial" panose="020B0604020202020204" pitchFamily="34" charset="0"/>
+                <a:cs typeface="Arial" panose="020B0604020202020204" pitchFamily="34" charset="0"/>
+              </a:rPr>
+              <a:t> </a:t>
+            </a:r>
+            <a:r>
+              <a:rPr lang="en-US" sz="2000" b="1" i="1">
+                <a:latin typeface="Arial" panose="020B0604020202020204" pitchFamily="34" charset="0"/>
+                <a:cs typeface="Arial" panose="020B0604020202020204" pitchFamily="34" charset="0"/>
+              </a:rPr>
+              <a:t>Web Audio API</a:t>
+            </a:r>
+            <a:endParaRPr lang="en-US" sz="2000" b="1">
+              <a:latin typeface="Arial" panose="020B0604020202020204" pitchFamily="34" charset="0"/>
+              <a:cs typeface="Arial" panose="020B0604020202020204" pitchFamily="34" charset="0"/>
+            </a:endParaRPr>
+          </a:p>
+          <a:p>
+            <a:pPr marL="800100" lvl="1" indent="-342900">
+              <a:buFont typeface="Arial" panose="020B0604020202020204" pitchFamily="34" charset="0"/>
+              <a:buChar char="•"/>
+            </a:pPr>
+            <a:r>
+              <a:rPr lang="en-US" sz="2000">
+                <a:latin typeface="Arial" panose="020B0604020202020204" pitchFamily="34" charset="0"/>
+                <a:cs typeface="Arial" panose="020B0604020202020204" pitchFamily="34" charset="0"/>
+              </a:rPr>
+              <a:t>Serviciul de baze de date </a:t>
+            </a:r>
+            <a:r>
+              <a:rPr lang="en-US" sz="2000" b="1">
+                <a:latin typeface="Arial" panose="020B0604020202020204" pitchFamily="34" charset="0"/>
+                <a:cs typeface="Arial" panose="020B0604020202020204" pitchFamily="34" charset="0"/>
+              </a:rPr>
+              <a:t>MySQL</a:t>
+            </a:r>
+            <a:endParaRPr lang="en-US" sz="2000" b="1" i="1">
+              <a:latin typeface="Arial" panose="020B0604020202020204" pitchFamily="34" charset="0"/>
+              <a:cs typeface="Arial" panose="020B0604020202020204" pitchFamily="34" charset="0"/>
+            </a:endParaRPr>
+          </a:p>
+          <a:p>
+            <a:pPr lvl="1"/>
+            <a:r>
+              <a:rPr lang="en-US" sz="2000" i="1">
+                <a:latin typeface="Arial" panose="020B0604020202020204" pitchFamily="34" charset="0"/>
+                <a:cs typeface="Arial" panose="020B0604020202020204" pitchFamily="34" charset="0"/>
+              </a:rPr>
+              <a:t> </a:t>
+            </a:r>
+            <a:endParaRPr lang="en-US" sz="2000">
+              <a:latin typeface="Arial" panose="020B0604020202020204" pitchFamily="34" charset="0"/>
+              <a:cs typeface="Arial" panose="020B0604020202020204" pitchFamily="34" charset="0"/>
+            </a:endParaRPr>
+          </a:p>
+          <a:p>
+            <a:pPr marL="342900" indent="-342900">
+              <a:buFont typeface="Arial" panose="020B0604020202020204" pitchFamily="34" charset="0"/>
+              <a:buChar char="•"/>
+            </a:pPr>
+            <a:r>
+              <a:rPr lang="en-US" sz="2000">
+                <a:latin typeface="Arial" panose="020B0604020202020204" pitchFamily="34" charset="0"/>
+                <a:cs typeface="Arial" panose="020B0604020202020204" pitchFamily="34" charset="0"/>
+              </a:rPr>
+              <a:t>Performanța aplicației este ridicată, datorită implementării folosind popularul și dinamicul </a:t>
+            </a:r>
+            <a:r>
+              <a:rPr lang="en-US" sz="2000" i="1">
+                <a:latin typeface="Arial" panose="020B0604020202020204" pitchFamily="34" charset="0"/>
+                <a:cs typeface="Arial" panose="020B0604020202020204" pitchFamily="34" charset="0"/>
+              </a:rPr>
+              <a:t>framework</a:t>
+            </a:r>
+            <a:r>
+              <a:rPr lang="en-US" sz="2000">
+                <a:latin typeface="Arial" panose="020B0604020202020204" pitchFamily="34" charset="0"/>
+                <a:cs typeface="Arial" panose="020B0604020202020204" pitchFamily="34" charset="0"/>
+              </a:rPr>
+              <a:t> </a:t>
+            </a:r>
+            <a:r>
+              <a:rPr lang="en-US" sz="2000" b="1" i="1">
+                <a:latin typeface="Arial" panose="020B0604020202020204" pitchFamily="34" charset="0"/>
+                <a:cs typeface="Arial" panose="020B0604020202020204" pitchFamily="34" charset="0"/>
+              </a:rPr>
+              <a:t>React.js </a:t>
+            </a:r>
+            <a:r>
+              <a:rPr lang="en-US" sz="2000">
+                <a:latin typeface="Arial" panose="020B0604020202020204" pitchFamily="34" charset="0"/>
+                <a:cs typeface="Arial" panose="020B0604020202020204" pitchFamily="34" charset="0"/>
+              </a:rPr>
+              <a:t>(proiectul este orientat spre programare </a:t>
+            </a:r>
+            <a:r>
+              <a:rPr lang="en-US" sz="2000" i="1">
+                <a:latin typeface="Arial" panose="020B0604020202020204" pitchFamily="34" charset="0"/>
+                <a:cs typeface="Arial" panose="020B0604020202020204" pitchFamily="34" charset="0"/>
+              </a:rPr>
+              <a:t>frontend</a:t>
+            </a:r>
+            <a:r>
+              <a:rPr lang="en-US" sz="2000">
+                <a:latin typeface="Arial" panose="020B0604020202020204" pitchFamily="34" charset="0"/>
+                <a:cs typeface="Arial" panose="020B0604020202020204" pitchFamily="34" charset="0"/>
+              </a:rPr>
+              <a:t>).</a:t>
+            </a:r>
+          </a:p>
+          <a:p>
+            <a:pPr marL="342900" indent="-342900">
+              <a:buFont typeface="Arial" panose="020B0604020202020204" pitchFamily="34" charset="0"/>
+              <a:buChar char="•"/>
+            </a:pPr>
+            <a:endParaRPr lang="en-US" sz="2000" b="1">
+              <a:latin typeface="Arial" panose="020B0604020202020204" pitchFamily="34" charset="0"/>
+              <a:cs typeface="Arial" panose="020B0604020202020204" pitchFamily="34" charset="0"/>
+            </a:endParaRPr>
+          </a:p>
+          <a:p>
+            <a:pPr marL="342900" indent="-342900">
+              <a:buFont typeface="Arial" panose="020B0604020202020204" pitchFamily="34" charset="0"/>
+              <a:buChar char="•"/>
+            </a:pPr>
+            <a:r>
+              <a:rPr lang="en-US" sz="2000">
+                <a:latin typeface="Arial" panose="020B0604020202020204" pitchFamily="34" charset="0"/>
+                <a:cs typeface="Arial" panose="020B0604020202020204" pitchFamily="34" charset="0"/>
+              </a:rPr>
+              <a:t>Aplicația deține un API propriu, capabil să ofere și să prelucreze resurse sonore (JSON).</a:t>
             </a:r>
           </a:p>
           <a:p>
@@ -9131,7 +9396,146 @@
                 <a:latin typeface="Arial" panose="020B0604020202020204" pitchFamily="34" charset="0"/>
                 <a:cs typeface="Arial" panose="020B0604020202020204" pitchFamily="34" charset="0"/>
               </a:rPr>
-              <a:t>Este implementat de asemenea și un sistem de salvare/partajare a sunetelor create de utilizatori, sporind capacitățile proiectului.</a:t>
+              <a:t>Sunt stocate două tabele: </a:t>
+            </a:r>
+          </a:p>
+          <a:p>
+            <a:pPr marL="1371600" lvl="2" indent="-457200">
+              <a:buFont typeface="+mj-lt"/>
+              <a:buAutoNum type="arabicPeriod"/>
+            </a:pPr>
+            <a:r>
+              <a:rPr lang="en-US" sz="2000">
+                <a:latin typeface="Arial" panose="020B0604020202020204" pitchFamily="34" charset="0"/>
+                <a:cs typeface="Arial" panose="020B0604020202020204" pitchFamily="34" charset="0"/>
+              </a:rPr>
+              <a:t>Utilizatori</a:t>
+            </a:r>
+          </a:p>
+          <a:p>
+            <a:pPr marL="1371600" lvl="2" indent="-457200">
+              <a:buFont typeface="+mj-lt"/>
+              <a:buAutoNum type="arabicPeriod"/>
+            </a:pPr>
+            <a:r>
+              <a:rPr lang="en-US" sz="2000">
+                <a:latin typeface="Arial" panose="020B0604020202020204" pitchFamily="34" charset="0"/>
+                <a:cs typeface="Arial" panose="020B0604020202020204" pitchFamily="34" charset="0"/>
+              </a:rPr>
+              <a:t>Sunete</a:t>
+            </a:r>
+          </a:p>
+        </p:txBody>
+      </p:sp>
+      <p:sp>
+        <p:nvSpPr>
+          <p:cNvPr id="2" name="Slide Number Placeholder 1">
+            <a:extLst>
+              <a:ext uri="{FF2B5EF4-FFF2-40B4-BE49-F238E27FC236}">
+                <a16:creationId xmlns:a16="http://schemas.microsoft.com/office/drawing/2014/main" id="{A99C8F69-BEB1-4936-A354-A0831B9923E4}"/>
+              </a:ext>
+            </a:extLst>
+          </p:cNvPr>
+          <p:cNvSpPr>
+            <a:spLocks noGrp="1"/>
+          </p:cNvSpPr>
+          <p:nvPr>
+            <p:ph type="sldNum" sz="quarter" idx="12"/>
+          </p:nvPr>
+        </p:nvSpPr>
+        <p:spPr>
+          <a:xfrm>
+            <a:off x="5642407" y="5794656"/>
+            <a:ext cx="907186" cy="498470"/>
+          </a:xfrm>
+        </p:spPr>
+        <p:txBody>
+          <a:bodyPr/>
+          <a:lstStyle/>
+          <a:p>
+            <a:fld id="{6D22F896-40B5-4ADD-8801-0D06FADFA095}" type="slidenum">
+              <a:rPr lang="en-US" smtClean="0"/>
+              <a:t>7</a:t>
+            </a:fld>
+            <a:endParaRPr lang="en-US"/>
+          </a:p>
+        </p:txBody>
+      </p:sp>
+    </p:spTree>
+    <p:extLst>
+      <p:ext uri="{BB962C8B-B14F-4D97-AF65-F5344CB8AC3E}">
+        <p14:creationId xmlns:p14="http://schemas.microsoft.com/office/powerpoint/2010/main" val="3933873620"/>
+      </p:ext>
+    </p:extLst>
+  </p:cSld>
+  <p:clrMapOvr>
+    <a:masterClrMapping/>
+  </p:clrMapOvr>
+</p:sld>
+</file>
+
+<file path=ppt/slides/slide8.xml><?xml version="1.0" encoding="utf-8"?>
+<p:sld xmlns:a="http://schemas.openxmlformats.org/drawingml/2006/main" xmlns:r="http://schemas.openxmlformats.org/officeDocument/2006/relationships" xmlns:p="http://schemas.openxmlformats.org/presentationml/2006/main">
+  <p:cSld>
+    <p:spTree>
+      <p:nvGrpSpPr>
+        <p:cNvPr id="1" name=""/>
+        <p:cNvGrpSpPr/>
+        <p:nvPr/>
+      </p:nvGrpSpPr>
+      <p:grpSpPr>
+        <a:xfrm>
+          <a:off x="0" y="0"/>
+          <a:ext cx="0" cy="0"/>
+          <a:chOff x="0" y="0"/>
+          <a:chExt cx="0" cy="0"/>
+        </a:xfrm>
+      </p:grpSpPr>
+      <p:sp>
+        <p:nvSpPr>
+          <p:cNvPr id="6" name="TextBox 5">
+            <a:extLst>
+              <a:ext uri="{FF2B5EF4-FFF2-40B4-BE49-F238E27FC236}">
+                <a16:creationId xmlns:a16="http://schemas.microsoft.com/office/drawing/2014/main" id="{3D1EE32B-6F12-4B0F-BAB9-2D6BED656499}"/>
+              </a:ext>
+            </a:extLst>
+          </p:cNvPr>
+          <p:cNvSpPr txBox="1"/>
+          <p:nvPr/>
+        </p:nvSpPr>
+        <p:spPr>
+          <a:xfrm>
+            <a:off x="1265067" y="1324537"/>
+            <a:ext cx="9246094" cy="3508653"/>
+          </a:xfrm>
+          <a:prstGeom prst="rect">
+            <a:avLst/>
+          </a:prstGeom>
+          <a:noFill/>
+        </p:spPr>
+        <p:txBody>
+          <a:bodyPr wrap="square">
+            <a:spAutoFit/>
+          </a:bodyPr>
+          <a:lstStyle/>
+          <a:p>
+            <a:pPr marL="342900" indent="-342900">
+              <a:buFont typeface="Arial" panose="020B0604020202020204" pitchFamily="34" charset="0"/>
+              <a:buChar char="•"/>
+            </a:pPr>
+            <a:r>
+              <a:rPr lang="en-US" sz="2200" b="1" i="1">
+                <a:latin typeface="Arial" panose="020B0604020202020204" pitchFamily="34" charset="0"/>
+                <a:cs typeface="Arial" panose="020B0604020202020204" pitchFamily="34" charset="0"/>
+              </a:rPr>
+              <a:t>Sound Maker </a:t>
+            </a:r>
+            <a:r>
+              <a:rPr lang="en-US" sz="2000">
+                <a:latin typeface="Arial" panose="020B0604020202020204" pitchFamily="34" charset="0"/>
+                <a:cs typeface="Arial" panose="020B0604020202020204" pitchFamily="34" charset="0"/>
+              </a:rPr>
+              <a:t>oferă un mediu dinamic și interactiv în care utilizatorul poate să creeze, să redea și să proceseze conținut sonor.</a:t>
             </a:r>
           </a:p>
           <a:p>
@@ -9149,12 +9553,22 @@
               <a:buFont typeface="Arial" panose="020B0604020202020204" pitchFamily="34" charset="0"/>
               <a:buChar char="•"/>
             </a:pPr>
+            <a:endParaRPr lang="en-US" sz="2000">
+              <a:latin typeface="Arial" panose="020B0604020202020204" pitchFamily="34" charset="0"/>
+              <a:cs typeface="Arial" panose="020B0604020202020204" pitchFamily="34" charset="0"/>
+            </a:endParaRPr>
+          </a:p>
+          <a:p>
+            <a:pPr marL="342900" indent="-342900">
+              <a:buFont typeface="Arial" panose="020B0604020202020204" pitchFamily="34" charset="0"/>
+              <a:buChar char="•"/>
+            </a:pPr>
             <a:r>
               <a:rPr lang="en-US" sz="2000">
                 <a:latin typeface="Arial" panose="020B0604020202020204" pitchFamily="34" charset="0"/>
                 <a:cs typeface="Arial" panose="020B0604020202020204" pitchFamily="34" charset="0"/>
               </a:rPr>
-              <a:t>Aplicația poate fi utilizată atât de un utilizator obișnuit, cât și de un eventual expert în domeniul producției muzicale, cu scop practic sau pur artistic.</a:t>
+              <a:t>Este implementat de asemenea și un sistem de salvare/partajare a sunetelor create de utilizatori, sporind capacitățile proiectului.</a:t>
             </a:r>
           </a:p>
           <a:p>
@@ -9172,111 +9586,33 @@
               <a:buFont typeface="Arial" panose="020B0604020202020204" pitchFamily="34" charset="0"/>
               <a:buChar char="•"/>
             </a:pPr>
+            <a:endParaRPr lang="en-US" sz="2000">
+              <a:latin typeface="Arial" panose="020B0604020202020204" pitchFamily="34" charset="0"/>
+              <a:cs typeface="Arial" panose="020B0604020202020204" pitchFamily="34" charset="0"/>
+            </a:endParaRPr>
+          </a:p>
+          <a:p>
+            <a:pPr marL="342900" indent="-342900">
+              <a:buFont typeface="Arial" panose="020B0604020202020204" pitchFamily="34" charset="0"/>
+              <a:buChar char="•"/>
+            </a:pPr>
             <a:r>
               <a:rPr lang="en-US" sz="2000">
                 <a:latin typeface="Arial" panose="020B0604020202020204" pitchFamily="34" charset="0"/>
                 <a:cs typeface="Arial" panose="020B0604020202020204" pitchFamily="34" charset="0"/>
               </a:rPr>
-              <a:t>Performanța aplicației este ridicată, datorită implementării folosind popularul și eficientul </a:t>
-            </a:r>
-            <a:r>
-              <a:rPr lang="en-US" sz="2000" i="1">
-                <a:latin typeface="Arial" panose="020B0604020202020204" pitchFamily="34" charset="0"/>
-                <a:cs typeface="Arial" panose="020B0604020202020204" pitchFamily="34" charset="0"/>
-              </a:rPr>
-              <a:t>framework</a:t>
-            </a:r>
-            <a:r>
-              <a:rPr lang="en-US" sz="2000">
-                <a:latin typeface="Arial" panose="020B0604020202020204" pitchFamily="34" charset="0"/>
-                <a:cs typeface="Arial" panose="020B0604020202020204" pitchFamily="34" charset="0"/>
-              </a:rPr>
-              <a:t> </a:t>
-            </a:r>
-            <a:r>
-              <a:rPr lang="en-US" sz="2000" i="1">
-                <a:latin typeface="Arial" panose="020B0604020202020204" pitchFamily="34" charset="0"/>
-                <a:cs typeface="Arial" panose="020B0604020202020204" pitchFamily="34" charset="0"/>
-              </a:rPr>
-              <a:t>React.js</a:t>
-            </a:r>
-            <a:r>
-              <a:rPr lang="en-US" sz="2000">
-                <a:latin typeface="Arial" panose="020B0604020202020204" pitchFamily="34" charset="0"/>
-                <a:cs typeface="Arial" panose="020B0604020202020204" pitchFamily="34" charset="0"/>
-              </a:rPr>
-              <a:t>, împreună cu </a:t>
-            </a:r>
-            <a:r>
-              <a:rPr lang="en-US" sz="2000" i="1">
-                <a:latin typeface="Arial" panose="020B0604020202020204" pitchFamily="34" charset="0"/>
-                <a:cs typeface="Arial" panose="020B0604020202020204" pitchFamily="34" charset="0"/>
-              </a:rPr>
-              <a:t>Express.js</a:t>
-            </a:r>
-            <a:r>
-              <a:rPr lang="en-US" sz="2000">
-                <a:latin typeface="Arial" panose="020B0604020202020204" pitchFamily="34" charset="0"/>
-                <a:cs typeface="Arial" panose="020B0604020202020204" pitchFamily="34" charset="0"/>
-              </a:rPr>
-              <a:t> și </a:t>
-            </a:r>
-            <a:r>
-              <a:rPr lang="en-US" sz="2000" i="1">
-                <a:latin typeface="Arial" panose="020B0604020202020204" pitchFamily="34" charset="0"/>
-                <a:cs typeface="Arial" panose="020B0604020202020204" pitchFamily="34" charset="0"/>
-              </a:rPr>
-              <a:t>MySQL</a:t>
-            </a:r>
-            <a:r>
-              <a:rPr lang="en-US" sz="2000">
-                <a:latin typeface="Arial" panose="020B0604020202020204" pitchFamily="34" charset="0"/>
-                <a:cs typeface="Arial" panose="020B0604020202020204" pitchFamily="34" charset="0"/>
-              </a:rPr>
-              <a:t>.</a:t>
-            </a:r>
-            <a:r>
-              <a:rPr lang="en-US" sz="2000" i="1">
-                <a:latin typeface="Arial" panose="020B0604020202020204" pitchFamily="34" charset="0"/>
-                <a:cs typeface="Arial" panose="020B0604020202020204" pitchFamily="34" charset="0"/>
-              </a:rPr>
-              <a:t> </a:t>
-            </a:r>
-            <a:r>
-              <a:rPr lang="en-US" sz="2000">
-                <a:latin typeface="Arial" panose="020B0604020202020204" pitchFamily="34" charset="0"/>
-                <a:cs typeface="Arial" panose="020B0604020202020204" pitchFamily="34" charset="0"/>
-              </a:rPr>
-              <a:t>Funcționalitățile sonore sunt realizate cu </a:t>
-            </a:r>
-            <a:r>
-              <a:rPr lang="en-US" sz="2000" i="1">
-                <a:latin typeface="Arial" panose="020B0604020202020204" pitchFamily="34" charset="0"/>
-                <a:cs typeface="Arial" panose="020B0604020202020204" pitchFamily="34" charset="0"/>
-              </a:rPr>
-              <a:t>Tone.js </a:t>
-            </a:r>
-            <a:r>
-              <a:rPr lang="en-US" sz="2000">
-                <a:latin typeface="Arial" panose="020B0604020202020204" pitchFamily="34" charset="0"/>
-                <a:cs typeface="Arial" panose="020B0604020202020204" pitchFamily="34" charset="0"/>
-              </a:rPr>
-              <a:t>și </a:t>
-            </a:r>
-            <a:r>
-              <a:rPr lang="en-US" sz="2000" i="1">
-                <a:latin typeface="Arial" panose="020B0604020202020204" pitchFamily="34" charset="0"/>
-                <a:cs typeface="Arial" panose="020B0604020202020204" pitchFamily="34" charset="0"/>
-              </a:rPr>
-              <a:t>Web Audio API</a:t>
-            </a:r>
-            <a:r>
-              <a:rPr lang="en-US" sz="2000">
-                <a:latin typeface="Arial" panose="020B0604020202020204" pitchFamily="34" charset="0"/>
-                <a:cs typeface="Arial" panose="020B0604020202020204" pitchFamily="34" charset="0"/>
-              </a:rPr>
-              <a:t>.</a:t>
-            </a:r>
+              <a:t>Aplicația poate fi utilizată atât de un utilizator obișnuit, cât și de un eventual expert în domeniul producției muzicale, cu scop practic sau pur artistic.</a:t>
+            </a:r>
+          </a:p>
+          <a:p>
+            <a:pPr marL="342900" indent="-342900">
+              <a:buFont typeface="Arial" panose="020B0604020202020204" pitchFamily="34" charset="0"/>
+              <a:buChar char="•"/>
+            </a:pPr>
+            <a:endParaRPr lang="en-US" sz="2000">
+              <a:latin typeface="Arial" panose="020B0604020202020204" pitchFamily="34" charset="0"/>
+              <a:cs typeface="Arial" panose="020B0604020202020204" pitchFamily="34" charset="0"/>
+            </a:endParaRPr>
           </a:p>
         </p:txBody>
       </p:sp>
@@ -9308,7 +9644,7 @@
           <a:p>
             <a:fld id="{6D22F896-40B5-4ADD-8801-0D06FADFA095}" type="slidenum">
               <a:rPr lang="en-US" smtClean="0"/>
-              <a:t>7</a:t>
+              <a:t>8</a:t>
             </a:fld>
             <a:endParaRPr lang="en-US"/>
           </a:p>
@@ -9332,8 +9668,8 @@
         </p:nvSpPr>
         <p:spPr>
           <a:xfrm>
-            <a:off x="3196815" y="-509960"/>
-            <a:ext cx="5151780" cy="2290438"/>
+            <a:off x="3214570" y="-230394"/>
+            <a:ext cx="5157072" cy="2290438"/>
           </a:xfrm>
         </p:spPr>
         <p:txBody>
@@ -9351,6 +9687,18 @@
               </a:rPr>
               <a:t>Concluzii</a:t>
             </a:r>
+            <a:br>
+              <a:rPr lang="en-US" sz="4000">
+                <a:solidFill>
+                  <a:schemeClr val="tx1"/>
+                </a:solidFill>
+              </a:rPr>
+            </a:br>
+            <a:endParaRPr lang="en-US" sz="4000">
+              <a:solidFill>
+                <a:schemeClr val="tx1"/>
+              </a:solidFill>
+            </a:endParaRPr>
           </a:p>
         </p:txBody>
       </p:sp>

--- a/public/documentation/prezentare.pptx
+++ b/public/documentation/prezentare.pptx
@@ -234,7 +234,7 @@
           <a:p>
             <a:fld id="{E57DDB92-3317-4B9C-B989-3EB0B44A5A4A}" type="datetimeFigureOut">
               <a:rPr lang="en-US" smtClean="0"/>
-              <a:t>6/22/2021</a:t>
+              <a:t>7/1/2021</a:t>
             </a:fld>
             <a:endParaRPr lang="en-US"/>
           </a:p>
@@ -411,7 +411,7 @@
           <a:p>
             <a:fld id="{B092BB80-3726-4084-9E76-EB2EA862C828}" type="datetimeFigureOut">
               <a:rPr lang="en-US" smtClean="0"/>
-              <a:t>6/22/2021</a:t>
+              <a:t>7/1/2021</a:t>
             </a:fld>
             <a:endParaRPr lang="en-US"/>
           </a:p>
@@ -1468,7 +1468,7 @@
           <a:p>
             <a:fld id="{EF512121-8EED-40DE-A312-124B500E188B}" type="datetime1">
               <a:rPr lang="en-US" smtClean="0"/>
-              <a:t>6/22/2021</a:t>
+              <a:t>7/1/2021</a:t>
             </a:fld>
             <a:endParaRPr lang="en-US"/>
           </a:p>
@@ -1797,7 +1797,7 @@
           <a:p>
             <a:fld id="{4CE178B4-55C6-43CB-8CD4-3D032E1637A2}" type="datetime1">
               <a:rPr lang="en-US" smtClean="0"/>
-              <a:t>6/22/2021</a:t>
+              <a:t>7/1/2021</a:t>
             </a:fld>
             <a:endParaRPr lang="en-US"/>
           </a:p>
@@ -1988,7 +1988,7 @@
           <a:p>
             <a:fld id="{C92FF37A-841E-4E53-94A8-313364B48D11}" type="datetime1">
               <a:rPr lang="en-US" smtClean="0"/>
-              <a:t>6/22/2021</a:t>
+              <a:t>7/1/2021</a:t>
             </a:fld>
             <a:endParaRPr lang="en-US"/>
           </a:p>
@@ -2253,7 +2253,7 @@
           <a:p>
             <a:fld id="{3052DFAF-CC7F-41BF-8C23-BC21D7D5564B}" type="datetime1">
               <a:rPr lang="en-US" smtClean="0"/>
-              <a:t>6/22/2021</a:t>
+              <a:t>7/1/2021</a:t>
             </a:fld>
             <a:endParaRPr lang="en-US"/>
           </a:p>
@@ -2676,7 +2676,7 @@
           <a:p>
             <a:fld id="{DE3206C8-62C3-4BFD-A26C-3AB8B14E880B}" type="datetime1">
               <a:rPr lang="en-US" smtClean="0"/>
-              <a:t>6/22/2021</a:t>
+              <a:t>7/1/2021</a:t>
             </a:fld>
             <a:endParaRPr lang="en-US"/>
           </a:p>
@@ -3221,7 +3221,7 @@
           <a:p>
             <a:fld id="{B25913A9-BBA8-4349-A2A2-A2E74B91E0E2}" type="datetime1">
               <a:rPr lang="en-US" smtClean="0"/>
-              <a:t>6/22/2021</a:t>
+              <a:t>7/1/2021</a:t>
             </a:fld>
             <a:endParaRPr lang="en-US"/>
           </a:p>
@@ -4003,7 +4003,7 @@
           <a:p>
             <a:fld id="{A8A55F62-28FC-413B-948E-8DFCA62DD2FF}" type="datetime1">
               <a:rPr lang="en-US" smtClean="0"/>
-              <a:t>6/22/2021</a:t>
+              <a:t>7/1/2021</a:t>
             </a:fld>
             <a:endParaRPr lang="en-US"/>
           </a:p>
@@ -4177,7 +4177,7 @@
           <a:p>
             <a:fld id="{05AF8ED6-5CCC-4510-9A28-C56229069527}" type="datetime1">
               <a:rPr lang="en-US" smtClean="0"/>
-              <a:t>6/22/2021</a:t>
+              <a:t>7/1/2021</a:t>
             </a:fld>
             <a:endParaRPr lang="en-US"/>
           </a:p>
@@ -4356,7 +4356,7 @@
           <a:p>
             <a:fld id="{2C665C13-B398-4B8C-960B-849C5B5002E5}" type="datetime1">
               <a:rPr lang="en-US" smtClean="0"/>
-              <a:t>6/22/2021</a:t>
+              <a:t>7/1/2021</a:t>
             </a:fld>
             <a:endParaRPr lang="en-US"/>
           </a:p>
@@ -4526,7 +4526,7 @@
           <a:p>
             <a:fld id="{019839B6-4D3C-413C-92E4-22794FDD0C0E}" type="datetime1">
               <a:rPr lang="en-US" smtClean="0"/>
-              <a:t>6/22/2021</a:t>
+              <a:t>7/1/2021</a:t>
             </a:fld>
             <a:endParaRPr lang="en-US"/>
           </a:p>
@@ -4771,7 +4771,7 @@
           <a:p>
             <a:fld id="{58858B0D-538A-4E2E-845E-ECE0B01B4152}" type="datetime1">
               <a:rPr lang="en-US" smtClean="0"/>
-              <a:t>6/22/2021</a:t>
+              <a:t>7/1/2021</a:t>
             </a:fld>
             <a:endParaRPr lang="en-US"/>
           </a:p>
@@ -5003,7 +5003,7 @@
           <a:p>
             <a:fld id="{8D22A401-E4E7-40EA-B7B1-CD946438BB04}" type="datetime1">
               <a:rPr lang="en-US" smtClean="0"/>
-              <a:t>6/22/2021</a:t>
+              <a:t>7/1/2021</a:t>
             </a:fld>
             <a:endParaRPr lang="en-US"/>
           </a:p>
@@ -5383,7 +5383,7 @@
           <a:p>
             <a:fld id="{AA942432-FA9F-42B3-BEFB-156E1A2BE441}" type="datetime1">
               <a:rPr lang="en-US" smtClean="0"/>
-              <a:t>6/22/2021</a:t>
+              <a:t>7/1/2021</a:t>
             </a:fld>
             <a:endParaRPr lang="en-US"/>
           </a:p>
@@ -5496,7 +5496,7 @@
           <a:p>
             <a:fld id="{38BA38E7-B7C9-47EC-8BBC-3547CB46FF80}" type="datetime1">
               <a:rPr lang="en-US" smtClean="0"/>
-              <a:t>6/22/2021</a:t>
+              <a:t>7/1/2021</a:t>
             </a:fld>
             <a:endParaRPr lang="en-US"/>
           </a:p>
@@ -5586,7 +5586,7 @@
           <a:p>
             <a:fld id="{989F6707-E757-48C0-8DC0-EB5D686EF21C}" type="datetime1">
               <a:rPr lang="en-US" smtClean="0"/>
-              <a:t>6/22/2021</a:t>
+              <a:t>7/1/2021</a:t>
             </a:fld>
             <a:endParaRPr lang="en-US"/>
           </a:p>
@@ -5834,7 +5834,7 @@
           <a:p>
             <a:fld id="{008B83ED-5A6B-48EF-A4DD-79B6DC4259B7}" type="datetime1">
               <a:rPr lang="en-US" smtClean="0"/>
-              <a:t>6/22/2021</a:t>
+              <a:t>7/1/2021</a:t>
             </a:fld>
             <a:endParaRPr lang="en-US"/>
           </a:p>
@@ -6097,7 +6097,7 @@
           <a:p>
             <a:fld id="{1725593A-9BCC-47E7-B3C6-02C362D176C5}" type="datetime1">
               <a:rPr lang="en-US" smtClean="0"/>
-              <a:t>6/22/2021</a:t>
+              <a:t>7/1/2021</a:t>
             </a:fld>
             <a:endParaRPr lang="en-US"/>
           </a:p>
@@ -6496,7 +6496,7 @@
           <a:p>
             <a:fld id="{258454DC-1228-4A6C-AB25-5225BEE4C3BD}" type="datetime1">
               <a:rPr lang="en-US" smtClean="0"/>
-              <a:t>6/22/2021</a:t>
+              <a:t>7/1/2021</a:t>
             </a:fld>
             <a:endParaRPr lang="en-US"/>
           </a:p>
@@ -8036,63 +8036,7 @@
                 <a:latin typeface="Arial" panose="020B0604020202020204" pitchFamily="34" charset="0"/>
                 <a:cs typeface="Arial" panose="020B0604020202020204" pitchFamily="34" charset="0"/>
               </a:rPr>
-              <a:t> </a:t>
-            </a:r>
-            <a:r>
-              <a:rPr lang="en-US" err="1">
-                <a:latin typeface="Arial" panose="020B0604020202020204" pitchFamily="34" charset="0"/>
-                <a:cs typeface="Arial" panose="020B0604020202020204" pitchFamily="34" charset="0"/>
-              </a:rPr>
-              <a:t>tehnologiei</a:t>
-            </a:r>
-            <a:r>
-              <a:rPr lang="en-US">
-                <a:latin typeface="Arial" panose="020B0604020202020204" pitchFamily="34" charset="0"/>
-                <a:cs typeface="Arial" panose="020B0604020202020204" pitchFamily="34" charset="0"/>
-              </a:rPr>
-              <a:t>, </a:t>
-            </a:r>
-            <a:r>
-              <a:rPr lang="en-US" err="1">
-                <a:latin typeface="Arial" panose="020B0604020202020204" pitchFamily="34" charset="0"/>
-                <a:cs typeface="Arial" panose="020B0604020202020204" pitchFamily="34" charset="0"/>
-              </a:rPr>
-              <a:t>în</a:t>
-            </a:r>
-            <a:r>
-              <a:rPr lang="en-US">
-                <a:latin typeface="Arial" panose="020B0604020202020204" pitchFamily="34" charset="0"/>
-                <a:cs typeface="Arial" panose="020B0604020202020204" pitchFamily="34" charset="0"/>
-              </a:rPr>
-              <a:t> </a:t>
-            </a:r>
-            <a:r>
-              <a:rPr lang="en-US" err="1">
-                <a:latin typeface="Arial" panose="020B0604020202020204" pitchFamily="34" charset="0"/>
-                <a:cs typeface="Arial" panose="020B0604020202020204" pitchFamily="34" charset="0"/>
-              </a:rPr>
-              <a:t>ultimii</a:t>
-            </a:r>
-            <a:r>
-              <a:rPr lang="en-US">
-                <a:latin typeface="Arial" panose="020B0604020202020204" pitchFamily="34" charset="0"/>
-                <a:cs typeface="Arial" panose="020B0604020202020204" pitchFamily="34" charset="0"/>
-              </a:rPr>
-              <a:t> </a:t>
-            </a:r>
-            <a:r>
-              <a:rPr lang="en-US" err="1">
-                <a:latin typeface="Arial" panose="020B0604020202020204" pitchFamily="34" charset="0"/>
-                <a:cs typeface="Arial" panose="020B0604020202020204" pitchFamily="34" charset="0"/>
-              </a:rPr>
-              <a:t>zeci</a:t>
-            </a:r>
-            <a:r>
-              <a:rPr lang="en-US">
-                <a:latin typeface="Arial" panose="020B0604020202020204" pitchFamily="34" charset="0"/>
-                <a:cs typeface="Arial" panose="020B0604020202020204" pitchFamily="34" charset="0"/>
-              </a:rPr>
-              <a:t> de ani</a:t>
+              <a:t> tehnologiei</a:t>
             </a:r>
           </a:p>
           <a:p>
@@ -8110,33 +8054,22 @@
               <a:buFont typeface="Arial" panose="020B0604020202020204" pitchFamily="34" charset="0"/>
               <a:buChar char="•"/>
             </a:pPr>
-            <a:r>
-              <a:rPr lang="en-US" err="1">
-                <a:latin typeface="Arial" panose="020B0604020202020204" pitchFamily="34" charset="0"/>
-                <a:cs typeface="Arial" panose="020B0604020202020204" pitchFamily="34" charset="0"/>
-              </a:rPr>
-              <a:t>Acum</a:t>
-            </a:r>
+            <a:endParaRPr lang="en-US">
+              <a:latin typeface="Arial" panose="020B0604020202020204" pitchFamily="34" charset="0"/>
+              <a:cs typeface="Arial" panose="020B0604020202020204" pitchFamily="34" charset="0"/>
+            </a:endParaRPr>
+          </a:p>
+          <a:p>
+            <a:pPr marL="285750" indent="-285750">
+              <a:buFont typeface="Arial" panose="020B0604020202020204" pitchFamily="34" charset="0"/>
+              <a:buChar char="•"/>
+            </a:pPr>
             <a:r>
               <a:rPr lang="en-US">
                 <a:latin typeface="Arial" panose="020B0604020202020204" pitchFamily="34" charset="0"/>
                 <a:cs typeface="Arial" panose="020B0604020202020204" pitchFamily="34" charset="0"/>
               </a:rPr>
-              <a:t> 30 de ani, </a:t>
-            </a:r>
-            <a:r>
-              <a:rPr lang="en-US" err="1">
-                <a:latin typeface="Arial" panose="020B0604020202020204" pitchFamily="34" charset="0"/>
-                <a:cs typeface="Arial" panose="020B0604020202020204" pitchFamily="34" charset="0"/>
-              </a:rPr>
-              <a:t>pentru</a:t>
-            </a:r>
-            <a:r>
-              <a:rPr lang="en-US">
-                <a:latin typeface="Arial" panose="020B0604020202020204" pitchFamily="34" charset="0"/>
-                <a:cs typeface="Arial" panose="020B0604020202020204" pitchFamily="34" charset="0"/>
-              </a:rPr>
-              <a:t> producerea unei simple melodii era nevoie de un studio plin cu aparatură sofisticată</a:t>
+              <a:t>Înainte, pentru producerea unei simple melodii era nevoie de un studio plin cu aparatură sofisticată</a:t>
             </a:r>
           </a:p>
           <a:p>
@@ -8338,7 +8271,7 @@
         <p:spPr>
           <a:xfrm>
             <a:off x="444106" y="1225119"/>
-            <a:ext cx="3755031" cy="4524315"/>
+            <a:ext cx="3755031" cy="3970318"/>
           </a:xfrm>
           <a:prstGeom prst="rect">
             <a:avLst/>
@@ -8379,7 +8312,7 @@
                 <a:latin typeface="Arial" panose="020B0604020202020204" pitchFamily="34" charset="0"/>
                 <a:cs typeface="Arial" panose="020B0604020202020204" pitchFamily="34" charset="0"/>
               </a:rPr>
-              <a:t>Folosind aplicații de tip stație audio digitală, se pot atinge rezultate incredibile</a:t>
+              <a:t>Se folosesc aplicații de tip stație audio digitală</a:t>
             </a:r>
           </a:p>
           <a:p>
@@ -8402,7 +8335,7 @@
                 <a:latin typeface="Arial" panose="020B0604020202020204" pitchFamily="34" charset="0"/>
                 <a:cs typeface="Arial" panose="020B0604020202020204" pitchFamily="34" charset="0"/>
               </a:rPr>
-              <a:t>Domeniul aplicațiilor Web nu dispune de suficiente implementări ale unor astfel de aplicații, capabile de creare, procesare și augmentare de sunet</a:t>
+              <a:t>Domeniul aplicațiilor Web nu dispune de suficiente implementări ale unor astfel de aplicații, capabile de creare, procesare de sunet</a:t>
             </a:r>
           </a:p>
           <a:p>
@@ -9149,8 +9082,8 @@
         </p:nvSpPr>
         <p:spPr>
           <a:xfrm>
-            <a:off x="1131902" y="472800"/>
-            <a:ext cx="9246094" cy="5016758"/>
+            <a:off x="1327392" y="1031404"/>
+            <a:ext cx="9246094" cy="3170099"/>
           </a:xfrm>
           <a:prstGeom prst="rect">
             <a:avLst/>
@@ -9181,6 +9114,33 @@
               <a:buChar char="•"/>
             </a:pPr>
             <a:r>
+              <a:rPr lang="en-US" sz="2000">
+                <a:latin typeface="Arial" panose="020B0604020202020204" pitchFamily="34" charset="0"/>
+                <a:cs typeface="Arial" panose="020B0604020202020204" pitchFamily="34" charset="0"/>
+              </a:rPr>
+              <a:t>Biblioteca</a:t>
+            </a:r>
+            <a:r>
+              <a:rPr lang="en-US" sz="2000" i="1">
+                <a:latin typeface="Arial" panose="020B0604020202020204" pitchFamily="34" charset="0"/>
+                <a:cs typeface="Arial" panose="020B0604020202020204" pitchFamily="34" charset="0"/>
+              </a:rPr>
+              <a:t> </a:t>
+            </a:r>
+            <a:r>
+              <a:rPr lang="en-US" sz="2000" b="1" i="1">
+                <a:latin typeface="Arial" panose="020B0604020202020204" pitchFamily="34" charset="0"/>
+                <a:cs typeface="Arial" panose="020B0604020202020204" pitchFamily="34" charset="0"/>
+              </a:rPr>
+              <a:t>React.js </a:t>
+            </a:r>
+          </a:p>
+          <a:p>
+            <a:pPr marL="800100" lvl="1" indent="-342900">
+              <a:buFont typeface="Arial" panose="020B0604020202020204" pitchFamily="34" charset="0"/>
+              <a:buChar char="•"/>
+            </a:pPr>
+            <a:r>
               <a:rPr lang="en-US" sz="2000" i="1">
                 <a:latin typeface="Arial" panose="020B0604020202020204" pitchFamily="34" charset="0"/>
                 <a:cs typeface="Arial" panose="020B0604020202020204" pitchFamily="34" charset="0"/>
@@ -9192,26 +9152,6 @@
                 <a:latin typeface="Arial" panose="020B0604020202020204" pitchFamily="34" charset="0"/>
                 <a:cs typeface="Arial" panose="020B0604020202020204" pitchFamily="34" charset="0"/>
               </a:rPr>
-              <a:t>React.js </a:t>
-            </a:r>
-          </a:p>
-          <a:p>
-            <a:pPr marL="800100" lvl="1" indent="-342900">
-              <a:buFont typeface="Arial" panose="020B0604020202020204" pitchFamily="34" charset="0"/>
-              <a:buChar char="•"/>
-            </a:pPr>
-            <a:r>
-              <a:rPr lang="en-US" sz="2000" i="1">
-                <a:latin typeface="Arial" panose="020B0604020202020204" pitchFamily="34" charset="0"/>
-                <a:cs typeface="Arial" panose="020B0604020202020204" pitchFamily="34" charset="0"/>
-              </a:rPr>
-              <a:t>Framework-ul </a:t>
-            </a:r>
-            <a:r>
-              <a:rPr lang="en-US" sz="2000" b="1" i="1">
-                <a:latin typeface="Arial" panose="020B0604020202020204" pitchFamily="34" charset="0"/>
-                <a:cs typeface="Arial" panose="020B0604020202020204" pitchFamily="34" charset="0"/>
-              </a:rPr>
               <a:t>Express.js (Node.js)</a:t>
             </a:r>
           </a:p>
@@ -9293,94 +9233,12 @@
               </a:rPr>
               <a:t> </a:t>
             </a:r>
-            <a:endParaRPr lang="en-US" sz="2000">
-              <a:latin typeface="Arial" panose="020B0604020202020204" pitchFamily="34" charset="0"/>
-              <a:cs typeface="Arial" panose="020B0604020202020204" pitchFamily="34" charset="0"/>
-            </a:endParaRPr>
-          </a:p>
-          <a:p>
-            <a:pPr marL="342900" indent="-342900">
-              <a:buFont typeface="Arial" panose="020B0604020202020204" pitchFamily="34" charset="0"/>
-              <a:buChar char="•"/>
-            </a:pPr>
-            <a:r>
-              <a:rPr lang="en-US" sz="2000">
-                <a:latin typeface="Arial" panose="020B0604020202020204" pitchFamily="34" charset="0"/>
-                <a:cs typeface="Arial" panose="020B0604020202020204" pitchFamily="34" charset="0"/>
-              </a:rPr>
-              <a:t>Performanța aplicației este ridicată, datorită implementării folosind popularul și dinamicul </a:t>
-            </a:r>
-            <a:r>
-              <a:rPr lang="en-US" sz="2000" i="1">
-                <a:latin typeface="Arial" panose="020B0604020202020204" pitchFamily="34" charset="0"/>
-                <a:cs typeface="Arial" panose="020B0604020202020204" pitchFamily="34" charset="0"/>
-              </a:rPr>
-              <a:t>framework</a:t>
-            </a:r>
-            <a:r>
-              <a:rPr lang="en-US" sz="2000">
-                <a:latin typeface="Arial" panose="020B0604020202020204" pitchFamily="34" charset="0"/>
-                <a:cs typeface="Arial" panose="020B0604020202020204" pitchFamily="34" charset="0"/>
-              </a:rPr>
-              <a:t> </a:t>
-            </a:r>
-            <a:r>
-              <a:rPr lang="en-US" sz="2000" b="1" i="1">
-                <a:latin typeface="Arial" panose="020B0604020202020204" pitchFamily="34" charset="0"/>
-                <a:cs typeface="Arial" panose="020B0604020202020204" pitchFamily="34" charset="0"/>
-              </a:rPr>
-              <a:t>React.js </a:t>
-            </a:r>
-            <a:r>
-              <a:rPr lang="en-US" sz="2000">
-                <a:latin typeface="Arial" panose="020B0604020202020204" pitchFamily="34" charset="0"/>
-                <a:cs typeface="Arial" panose="020B0604020202020204" pitchFamily="34" charset="0"/>
-              </a:rPr>
-              <a:t>(proiectul este orientat spre programare </a:t>
-            </a:r>
-            <a:r>
-              <a:rPr lang="en-US" sz="2000" i="1">
-                <a:latin typeface="Arial" panose="020B0604020202020204" pitchFamily="34" charset="0"/>
-                <a:cs typeface="Arial" panose="020B0604020202020204" pitchFamily="34" charset="0"/>
-              </a:rPr>
-              <a:t>frontend</a:t>
-            </a:r>
-            <a:r>
-              <a:rPr lang="en-US" sz="2000">
-                <a:latin typeface="Arial" panose="020B0604020202020204" pitchFamily="34" charset="0"/>
-                <a:cs typeface="Arial" panose="020B0604020202020204" pitchFamily="34" charset="0"/>
-              </a:rPr>
-              <a:t>).</a:t>
-            </a:r>
-          </a:p>
-          <a:p>
-            <a:pPr marL="342900" indent="-342900">
-              <a:buFont typeface="Arial" panose="020B0604020202020204" pitchFamily="34" charset="0"/>
-              <a:buChar char="•"/>
-            </a:pPr>
             <a:endParaRPr lang="en-US" sz="2000" b="1">
               <a:latin typeface="Arial" panose="020B0604020202020204" pitchFamily="34" charset="0"/>
               <a:cs typeface="Arial" panose="020B0604020202020204" pitchFamily="34" charset="0"/>
             </a:endParaRPr>
           </a:p>
           <a:p>
-            <a:pPr marL="342900" indent="-342900">
-              <a:buFont typeface="Arial" panose="020B0604020202020204" pitchFamily="34" charset="0"/>
-              <a:buChar char="•"/>
-            </a:pPr>
-            <a:r>
-              <a:rPr lang="en-US" sz="2000">
-                <a:latin typeface="Arial" panose="020B0604020202020204" pitchFamily="34" charset="0"/>
-                <a:cs typeface="Arial" panose="020B0604020202020204" pitchFamily="34" charset="0"/>
-              </a:rPr>
-              <a:t>Aplicația deține un API propriu, capabil să ofere și să prelucreze resurse sonore (JSON).</a:t>
-            </a:r>
-          </a:p>
-          <a:p>
-            <a:pPr marL="342900" indent="-342900">
-              <a:buFont typeface="Arial" panose="020B0604020202020204" pitchFamily="34" charset="0"/>
-              <a:buChar char="•"/>
-            </a:pPr>
             <a:endParaRPr lang="en-US" sz="2000">
               <a:latin typeface="Arial" panose="020B0604020202020204" pitchFamily="34" charset="0"/>
               <a:cs typeface="Arial" panose="020B0604020202020204" pitchFamily="34" charset="0"/>
